--- a/public/ref/kmitlUIDesign.pptx
+++ b/public/ref/kmitlUIDesign.pptx
@@ -112,6 +112,11 @@
       </a:defRPr>
     </a:lvl9pPr>
   </p:defaultTextStyle>
+  <p:extLst>
+    <p:ext uri="{EFAFB233-063F-42B5-8137-9DF3F51BA10A}">
+      <p15:sldGuideLst xmlns:p15="http://schemas.microsoft.com/office/powerpoint/2012/main"/>
+    </p:ext>
+  </p:extLst>
 </p:presentation>
 </file>
 
@@ -262,7 +267,7 @@
           <a:p>
             <a:fld id="{3E6070B4-E22C-4315-B7CA-DD445CD76191}" type="datetimeFigureOut">
               <a:rPr lang="en-US" smtClean="0"/>
-              <a:t>5/1/2021</a:t>
+              <a:t>5/6/2021</a:t>
             </a:fld>
             <a:endParaRPr lang="en-US"/>
           </a:p>
@@ -460,7 +465,7 @@
           <a:p>
             <a:fld id="{3E6070B4-E22C-4315-B7CA-DD445CD76191}" type="datetimeFigureOut">
               <a:rPr lang="en-US" smtClean="0"/>
-              <a:t>5/1/2021</a:t>
+              <a:t>5/6/2021</a:t>
             </a:fld>
             <a:endParaRPr lang="en-US"/>
           </a:p>
@@ -668,7 +673,7 @@
           <a:p>
             <a:fld id="{3E6070B4-E22C-4315-B7CA-DD445CD76191}" type="datetimeFigureOut">
               <a:rPr lang="en-US" smtClean="0"/>
-              <a:t>5/1/2021</a:t>
+              <a:t>5/6/2021</a:t>
             </a:fld>
             <a:endParaRPr lang="en-US"/>
           </a:p>
@@ -866,7 +871,7 @@
           <a:p>
             <a:fld id="{3E6070B4-E22C-4315-B7CA-DD445CD76191}" type="datetimeFigureOut">
               <a:rPr lang="en-US" smtClean="0"/>
-              <a:t>5/1/2021</a:t>
+              <a:t>5/6/2021</a:t>
             </a:fld>
             <a:endParaRPr lang="en-US"/>
           </a:p>
@@ -1141,7 +1146,7 @@
           <a:p>
             <a:fld id="{3E6070B4-E22C-4315-B7CA-DD445CD76191}" type="datetimeFigureOut">
               <a:rPr lang="en-US" smtClean="0"/>
-              <a:t>5/1/2021</a:t>
+              <a:t>5/6/2021</a:t>
             </a:fld>
             <a:endParaRPr lang="en-US"/>
           </a:p>
@@ -1406,7 +1411,7 @@
           <a:p>
             <a:fld id="{3E6070B4-E22C-4315-B7CA-DD445CD76191}" type="datetimeFigureOut">
               <a:rPr lang="en-US" smtClean="0"/>
-              <a:t>5/1/2021</a:t>
+              <a:t>5/6/2021</a:t>
             </a:fld>
             <a:endParaRPr lang="en-US"/>
           </a:p>
@@ -1818,7 +1823,7 @@
           <a:p>
             <a:fld id="{3E6070B4-E22C-4315-B7CA-DD445CD76191}" type="datetimeFigureOut">
               <a:rPr lang="en-US" smtClean="0"/>
-              <a:t>5/1/2021</a:t>
+              <a:t>5/6/2021</a:t>
             </a:fld>
             <a:endParaRPr lang="en-US"/>
           </a:p>
@@ -1959,7 +1964,7 @@
           <a:p>
             <a:fld id="{3E6070B4-E22C-4315-B7CA-DD445CD76191}" type="datetimeFigureOut">
               <a:rPr lang="en-US" smtClean="0"/>
-              <a:t>5/1/2021</a:t>
+              <a:t>5/6/2021</a:t>
             </a:fld>
             <a:endParaRPr lang="en-US"/>
           </a:p>
@@ -2072,7 +2077,7 @@
           <a:p>
             <a:fld id="{3E6070B4-E22C-4315-B7CA-DD445CD76191}" type="datetimeFigureOut">
               <a:rPr lang="en-US" smtClean="0"/>
-              <a:t>5/1/2021</a:t>
+              <a:t>5/6/2021</a:t>
             </a:fld>
             <a:endParaRPr lang="en-US"/>
           </a:p>
@@ -2383,7 +2388,7 @@
           <a:p>
             <a:fld id="{3E6070B4-E22C-4315-B7CA-DD445CD76191}" type="datetimeFigureOut">
               <a:rPr lang="en-US" smtClean="0"/>
-              <a:t>5/1/2021</a:t>
+              <a:t>5/6/2021</a:t>
             </a:fld>
             <a:endParaRPr lang="en-US"/>
           </a:p>
@@ -2671,7 +2676,7 @@
           <a:p>
             <a:fld id="{3E6070B4-E22C-4315-B7CA-DD445CD76191}" type="datetimeFigureOut">
               <a:rPr lang="en-US" smtClean="0"/>
-              <a:t>5/1/2021</a:t>
+              <a:t>5/6/2021</a:t>
             </a:fld>
             <a:endParaRPr lang="en-US"/>
           </a:p>
@@ -2912,7 +2917,7 @@
           <a:p>
             <a:fld id="{3E6070B4-E22C-4315-B7CA-DD445CD76191}" type="datetimeFigureOut">
               <a:rPr lang="en-US" smtClean="0"/>
-              <a:t>5/1/2021</a:t>
+              <a:t>5/6/2021</a:t>
             </a:fld>
             <a:endParaRPr lang="en-US"/>
           </a:p>
@@ -3638,8 +3643,8 @@
         </p:nvSpPr>
         <p:spPr>
           <a:xfrm>
-            <a:off x="3445274" y="2767280"/>
-            <a:ext cx="5889754" cy="1323439"/>
+            <a:off x="3865261" y="2921168"/>
+            <a:ext cx="4461478" cy="1015663"/>
           </a:xfrm>
           <a:prstGeom prst="rect">
             <a:avLst/>
@@ -3653,7 +3658,7 @@
           <a:lstStyle/>
           <a:p>
             <a:r>
-              <a:rPr lang="en-US" sz="8000" dirty="0">
+              <a:rPr lang="en-US" sz="6000" dirty="0">
                 <a:solidFill>
                   <a:schemeClr val="bg1">
                     <a:lumMod val="95000"/>
@@ -4306,8 +4311,8 @@
         </p:nvSpPr>
         <p:spPr>
           <a:xfrm>
-            <a:off x="2929208" y="2767278"/>
-            <a:ext cx="7133684" cy="1323439"/>
+            <a:off x="3397985" y="2921168"/>
+            <a:ext cx="5396029" cy="1015663"/>
           </a:xfrm>
           <a:prstGeom prst="rect">
             <a:avLst/>
@@ -4321,7 +4326,7 @@
           <a:lstStyle/>
           <a:p>
             <a:r>
-              <a:rPr lang="en-US" sz="8000" dirty="0">
+              <a:rPr lang="en-US" sz="6000" dirty="0">
                 <a:solidFill>
                   <a:schemeClr val="bg1">
                     <a:lumMod val="95000"/>
